--- a/pre11.pptx
+++ b/pre11.pptx
@@ -4933,8 +4933,8 @@
           </a:p>
         </p:txBody>
       </p:sp>
-      <mc:AlternateContent xmlns:mc="http://schemas.openxmlformats.org/markup-compatibility/2006">
-        <mc:Choice xmlns:a14="http://schemas.microsoft.com/office/drawing/2010/main" Requires="a14">
+      <mc:AlternateContent xmlns:mc="http://schemas.openxmlformats.org/markup-compatibility/2006" xmlns:a14="http://schemas.microsoft.com/office/drawing/2010/main">
+        <mc:Choice Requires="a14">
           <p:sp>
             <p:nvSpPr>
               <p:cNvPr id="4" name="文本框 3">
@@ -5099,7 +5099,7 @@
             </p:txBody>
           </p:sp>
         </mc:Choice>
-        <mc:Fallback>
+        <mc:Fallback xmlns="">
           <p:sp>
             <p:nvSpPr>
               <p:cNvPr id="4" name="文本框 3">
@@ -5329,8 +5329,8 @@
           </p:sp>
         </mc:Fallback>
       </mc:AlternateContent>
-      <mc:AlternateContent xmlns:mc="http://schemas.openxmlformats.org/markup-compatibility/2006">
-        <mc:Choice xmlns:a14="http://schemas.microsoft.com/office/drawing/2010/main" Requires="a14">
+      <mc:AlternateContent xmlns:mc="http://schemas.openxmlformats.org/markup-compatibility/2006" xmlns:a14="http://schemas.microsoft.com/office/drawing/2010/main">
+        <mc:Choice Requires="a14">
           <p:sp>
             <p:nvSpPr>
               <p:cNvPr id="10" name="文本框 9">
@@ -5474,7 +5474,7 @@
             </p:txBody>
           </p:sp>
         </mc:Choice>
-        <mc:Fallback>
+        <mc:Fallback xmlns="">
           <p:sp>
             <p:nvSpPr>
               <p:cNvPr id="10" name="文本框 9">
@@ -5519,8 +5519,8 @@
           </p:sp>
         </mc:Fallback>
       </mc:AlternateContent>
-      <mc:AlternateContent xmlns:mc="http://schemas.openxmlformats.org/markup-compatibility/2006">
-        <mc:Choice xmlns:a14="http://schemas.microsoft.com/office/drawing/2010/main" Requires="a14">
+      <mc:AlternateContent xmlns:mc="http://schemas.openxmlformats.org/markup-compatibility/2006" xmlns:a14="http://schemas.microsoft.com/office/drawing/2010/main">
+        <mc:Choice Requires="a14">
           <p:sp>
             <p:nvSpPr>
               <p:cNvPr id="11" name="文本框 10">
@@ -5592,7 +5592,7 @@
             </p:txBody>
           </p:sp>
         </mc:Choice>
-        <mc:Fallback>
+        <mc:Fallback xmlns="">
           <p:sp>
             <p:nvSpPr>
               <p:cNvPr id="11" name="文本框 10">
@@ -5744,8 +5744,8 @@
           </a:fontRef>
         </p:style>
       </p:cxnSp>
-      <mc:AlternateContent xmlns:mc="http://schemas.openxmlformats.org/markup-compatibility/2006">
-        <mc:Choice xmlns:a14="http://schemas.microsoft.com/office/drawing/2010/main" Requires="a14">
+      <mc:AlternateContent xmlns:mc="http://schemas.openxmlformats.org/markup-compatibility/2006" xmlns:a14="http://schemas.microsoft.com/office/drawing/2010/main">
+        <mc:Choice Requires="a14">
           <p:sp>
             <p:nvSpPr>
               <p:cNvPr id="7" name="文本框 6">
@@ -6170,7 +6170,7 @@
             </p:txBody>
           </p:sp>
         </mc:Choice>
-        <mc:Fallback>
+        <mc:Fallback xmlns="">
           <p:sp>
             <p:nvSpPr>
               <p:cNvPr id="7" name="文本框 6">
@@ -6225,6 +6225,219 @@
   <p:clrMapOvr>
     <a:masterClrMapping/>
   </p:clrMapOvr>
+  <p:timing>
+    <p:tnLst>
+      <p:par>
+        <p:cTn id="1" dur="indefinite" restart="never" nodeType="tmRoot">
+          <p:childTnLst>
+            <p:seq concurrent="1" nextAc="seek">
+              <p:cTn id="2" dur="indefinite" nodeType="mainSeq">
+                <p:childTnLst>
+                  <p:par>
+                    <p:cTn id="3" fill="hold">
+                      <p:stCondLst>
+                        <p:cond delay="indefinite"/>
+                      </p:stCondLst>
+                      <p:childTnLst>
+                        <p:par>
+                          <p:cTn id="4" fill="hold">
+                            <p:stCondLst>
+                              <p:cond delay="0"/>
+                            </p:stCondLst>
+                            <p:childTnLst>
+                              <p:par>
+                                <p:cTn id="5" presetID="42" presetClass="entr" presetSubtype="0" fill="hold" grpId="0" nodeType="clickEffect">
+                                  <p:stCondLst>
+                                    <p:cond delay="0"/>
+                                  </p:stCondLst>
+                                  <p:childTnLst>
+                                    <p:set>
+                                      <p:cBhvr>
+                                        <p:cTn id="6" dur="1" fill="hold">
+                                          <p:stCondLst>
+                                            <p:cond delay="0"/>
+                                          </p:stCondLst>
+                                        </p:cTn>
+                                        <p:tgtEl>
+                                          <p:spTgt spid="7"/>
+                                        </p:tgtEl>
+                                        <p:attrNameLst>
+                                          <p:attrName>style.visibility</p:attrName>
+                                        </p:attrNameLst>
+                                      </p:cBhvr>
+                                      <p:to>
+                                        <p:strVal val="visible"/>
+                                      </p:to>
+                                    </p:set>
+                                    <p:animEffect transition="in" filter="fade">
+                                      <p:cBhvr>
+                                        <p:cTn id="7" dur="1000"/>
+                                        <p:tgtEl>
+                                          <p:spTgt spid="7"/>
+                                        </p:tgtEl>
+                                      </p:cBhvr>
+                                    </p:animEffect>
+                                    <p:anim calcmode="lin" valueType="num">
+                                      <p:cBhvr>
+                                        <p:cTn id="8" dur="1000" fill="hold"/>
+                                        <p:tgtEl>
+                                          <p:spTgt spid="7"/>
+                                        </p:tgtEl>
+                                        <p:attrNameLst>
+                                          <p:attrName>ppt_x</p:attrName>
+                                        </p:attrNameLst>
+                                      </p:cBhvr>
+                                      <p:tavLst>
+                                        <p:tav tm="0">
+                                          <p:val>
+                                            <p:strVal val="#ppt_x"/>
+                                          </p:val>
+                                        </p:tav>
+                                        <p:tav tm="100000">
+                                          <p:val>
+                                            <p:strVal val="#ppt_x"/>
+                                          </p:val>
+                                        </p:tav>
+                                      </p:tavLst>
+                                    </p:anim>
+                                    <p:anim calcmode="lin" valueType="num">
+                                      <p:cBhvr>
+                                        <p:cTn id="9" dur="1000" fill="hold"/>
+                                        <p:tgtEl>
+                                          <p:spTgt spid="7"/>
+                                        </p:tgtEl>
+                                        <p:attrNameLst>
+                                          <p:attrName>ppt_y</p:attrName>
+                                        </p:attrNameLst>
+                                      </p:cBhvr>
+                                      <p:tavLst>
+                                        <p:tav tm="0">
+                                          <p:val>
+                                            <p:strVal val="#ppt_y+.1"/>
+                                          </p:val>
+                                        </p:tav>
+                                        <p:tav tm="100000">
+                                          <p:val>
+                                            <p:strVal val="#ppt_y"/>
+                                          </p:val>
+                                        </p:tav>
+                                      </p:tavLst>
+                                    </p:anim>
+                                  </p:childTnLst>
+                                </p:cTn>
+                              </p:par>
+                              <p:par>
+                                <p:cTn id="10" presetID="42" presetClass="entr" presetSubtype="0" fill="hold" nodeType="withEffect">
+                                  <p:stCondLst>
+                                    <p:cond delay="0"/>
+                                  </p:stCondLst>
+                                  <p:childTnLst>
+                                    <p:set>
+                                      <p:cBhvr>
+                                        <p:cTn id="11" dur="1" fill="hold">
+                                          <p:stCondLst>
+                                            <p:cond delay="0"/>
+                                          </p:stCondLst>
+                                        </p:cTn>
+                                        <p:tgtEl>
+                                          <p:spTgt spid="5"/>
+                                        </p:tgtEl>
+                                        <p:attrNameLst>
+                                          <p:attrName>style.visibility</p:attrName>
+                                        </p:attrNameLst>
+                                      </p:cBhvr>
+                                      <p:to>
+                                        <p:strVal val="visible"/>
+                                      </p:to>
+                                    </p:set>
+                                    <p:animEffect transition="in" filter="fade">
+                                      <p:cBhvr>
+                                        <p:cTn id="12" dur="1000"/>
+                                        <p:tgtEl>
+                                          <p:spTgt spid="5"/>
+                                        </p:tgtEl>
+                                      </p:cBhvr>
+                                    </p:animEffect>
+                                    <p:anim calcmode="lin" valueType="num">
+                                      <p:cBhvr>
+                                        <p:cTn id="13" dur="1000" fill="hold"/>
+                                        <p:tgtEl>
+                                          <p:spTgt spid="5"/>
+                                        </p:tgtEl>
+                                        <p:attrNameLst>
+                                          <p:attrName>ppt_x</p:attrName>
+                                        </p:attrNameLst>
+                                      </p:cBhvr>
+                                      <p:tavLst>
+                                        <p:tav tm="0">
+                                          <p:val>
+                                            <p:strVal val="#ppt_x"/>
+                                          </p:val>
+                                        </p:tav>
+                                        <p:tav tm="100000">
+                                          <p:val>
+                                            <p:strVal val="#ppt_x"/>
+                                          </p:val>
+                                        </p:tav>
+                                      </p:tavLst>
+                                    </p:anim>
+                                    <p:anim calcmode="lin" valueType="num">
+                                      <p:cBhvr>
+                                        <p:cTn id="14" dur="1000" fill="hold"/>
+                                        <p:tgtEl>
+                                          <p:spTgt spid="5"/>
+                                        </p:tgtEl>
+                                        <p:attrNameLst>
+                                          <p:attrName>ppt_y</p:attrName>
+                                        </p:attrNameLst>
+                                      </p:cBhvr>
+                                      <p:tavLst>
+                                        <p:tav tm="0">
+                                          <p:val>
+                                            <p:strVal val="#ppt_y+.1"/>
+                                          </p:val>
+                                        </p:tav>
+                                        <p:tav tm="100000">
+                                          <p:val>
+                                            <p:strVal val="#ppt_y"/>
+                                          </p:val>
+                                        </p:tav>
+                                      </p:tavLst>
+                                    </p:anim>
+                                  </p:childTnLst>
+                                </p:cTn>
+                              </p:par>
+                            </p:childTnLst>
+                          </p:cTn>
+                        </p:par>
+                      </p:childTnLst>
+                    </p:cTn>
+                  </p:par>
+                </p:childTnLst>
+              </p:cTn>
+              <p:prevCondLst>
+                <p:cond evt="onPrev" delay="0">
+                  <p:tgtEl>
+                    <p:sldTgt/>
+                  </p:tgtEl>
+                </p:cond>
+              </p:prevCondLst>
+              <p:nextCondLst>
+                <p:cond evt="onNext" delay="0">
+                  <p:tgtEl>
+                    <p:sldTgt/>
+                  </p:tgtEl>
+                </p:cond>
+              </p:nextCondLst>
+            </p:seq>
+          </p:childTnLst>
+        </p:cTn>
+      </p:par>
+    </p:tnLst>
+    <p:bldLst>
+      <p:bldP spid="7" grpId="0"/>
+    </p:bldLst>
+  </p:timing>
 </p:sld>
 </file>
 
@@ -10858,8 +11071,8 @@
           </p:sp>
         </mc:Fallback>
       </mc:AlternateContent>
-      <mc:AlternateContent xmlns:mc="http://schemas.openxmlformats.org/markup-compatibility/2006">
-        <mc:Choice xmlns:a14="http://schemas.microsoft.com/office/drawing/2010/main" Requires="a14">
+      <mc:AlternateContent xmlns:mc="http://schemas.openxmlformats.org/markup-compatibility/2006" xmlns:a14="http://schemas.microsoft.com/office/drawing/2010/main">
+        <mc:Choice Requires="a14">
           <p:sp>
             <p:nvSpPr>
               <p:cNvPr id="16" name="文本框 15">
@@ -10969,7 +11182,7 @@
             </p:txBody>
           </p:sp>
         </mc:Choice>
-        <mc:Fallback>
+        <mc:Fallback xmlns="">
           <p:sp>
             <p:nvSpPr>
               <p:cNvPr id="16" name="文本框 15">

--- a/pre11.pptx
+++ b/pre11.pptx
@@ -4403,113 +4403,6 @@
           <a:chExt cx="0" cy="0"/>
         </a:xfrm>
       </p:grpSpPr>
-      <p:pic>
-        <p:nvPicPr>
-          <p:cNvPr id="3" name="图片 2">
-            <a:extLst>
-              <a:ext uri="{FF2B5EF4-FFF2-40B4-BE49-F238E27FC236}">
-                <a16:creationId xmlns:a16="http://schemas.microsoft.com/office/drawing/2014/main" id="{3F08BF4E-CB7A-4610-B15A-04D647F21068}"/>
-              </a:ext>
-            </a:extLst>
-          </p:cNvPr>
-          <p:cNvPicPr>
-            <a:picLocks noChangeAspect="1"/>
-          </p:cNvPicPr>
-          <p:nvPr/>
-        </p:nvPicPr>
-        <p:blipFill>
-          <a:blip r:embed="rId2"/>
-          <a:stretch>
-            <a:fillRect/>
-          </a:stretch>
-        </p:blipFill>
-        <p:spPr>
-          <a:xfrm>
-            <a:off x="0" y="805212"/>
-            <a:ext cx="6233636" cy="4568220"/>
-          </a:xfrm>
-          <a:prstGeom prst="rect">
-            <a:avLst/>
-          </a:prstGeom>
-        </p:spPr>
-      </p:pic>
-      <p:pic>
-        <p:nvPicPr>
-          <p:cNvPr id="5" name="图片 4">
-            <a:extLst>
-              <a:ext uri="{FF2B5EF4-FFF2-40B4-BE49-F238E27FC236}">
-                <a16:creationId xmlns:a16="http://schemas.microsoft.com/office/drawing/2014/main" id="{D0A072D7-04E4-41AE-8B80-4A3EF4461E72}"/>
-              </a:ext>
-            </a:extLst>
-          </p:cNvPr>
-          <p:cNvPicPr>
-            <a:picLocks noChangeAspect="1"/>
-          </p:cNvPicPr>
-          <p:nvPr/>
-        </p:nvPicPr>
-        <p:blipFill>
-          <a:blip r:embed="rId3"/>
-          <a:stretch>
-            <a:fillRect/>
-          </a:stretch>
-        </p:blipFill>
-        <p:spPr>
-          <a:xfrm>
-            <a:off x="4829175" y="2706190"/>
-            <a:ext cx="4314825" cy="2865936"/>
-          </a:xfrm>
-          <a:prstGeom prst="rect">
-            <a:avLst/>
-          </a:prstGeom>
-        </p:spPr>
-      </p:pic>
-      <p:sp>
-        <p:nvSpPr>
-          <p:cNvPr id="7" name="文本框 6">
-            <a:extLst>
-              <a:ext uri="{FF2B5EF4-FFF2-40B4-BE49-F238E27FC236}">
-                <a16:creationId xmlns:a16="http://schemas.microsoft.com/office/drawing/2014/main" id="{61EE2FB0-C778-4F25-94C5-2E12376D97C0}"/>
-              </a:ext>
-            </a:extLst>
-          </p:cNvPr>
-          <p:cNvSpPr txBox="1"/>
-          <p:nvPr/>
-        </p:nvSpPr>
-        <p:spPr>
-          <a:xfrm>
-            <a:off x="6490811" y="2190122"/>
-            <a:ext cx="4572000" cy="524503"/>
-          </a:xfrm>
-          <a:prstGeom prst="rect">
-            <a:avLst/>
-          </a:prstGeom>
-          <a:noFill/>
-        </p:spPr>
-        <p:txBody>
-          <a:bodyPr wrap="square">
-            <a:spAutoFit/>
-          </a:bodyPr>
-          <a:lstStyle/>
-          <a:p>
-            <a:r>
-              <a:rPr lang="zh-CN" altLang="en-US" dirty="0"/>
-              <a:t>Find the result graph </a:t>
-            </a:r>
-            <a:endParaRPr lang="en-US" altLang="zh-CN" dirty="0"/>
-          </a:p>
-          <a:p>
-            <a:r>
-              <a:rPr lang="zh-CN" altLang="en-US" dirty="0"/>
-              <a:t>of ODE every time</a:t>
-            </a:r>
-            <a:r>
-              <a:rPr lang="en-US" altLang="zh-CN" dirty="0"/>
-              <a:t>:</a:t>
-            </a:r>
-            <a:endParaRPr lang="zh-CN" altLang="en-US" dirty="0"/>
-          </a:p>
-        </p:txBody>
-      </p:sp>
       <p:sp>
         <p:nvSpPr>
           <p:cNvPr id="9" name="灯片编号占位符 8">
@@ -4539,6 +4432,36 @@
           </a:p>
         </p:txBody>
       </p:sp>
+      <p:pic>
+        <p:nvPicPr>
+          <p:cNvPr id="4" name="图片 3">
+            <a:extLst>
+              <a:ext uri="{FF2B5EF4-FFF2-40B4-BE49-F238E27FC236}">
+                <a16:creationId xmlns:a16="http://schemas.microsoft.com/office/drawing/2014/main" id="{1A62D682-D4E6-4F05-83F4-965771770CF0}"/>
+              </a:ext>
+            </a:extLst>
+          </p:cNvPr>
+          <p:cNvPicPr>
+            <a:picLocks noChangeAspect="1"/>
+          </p:cNvPicPr>
+          <p:nvPr/>
+        </p:nvPicPr>
+        <p:blipFill>
+          <a:blip r:embed="rId2"/>
+          <a:stretch>
+            <a:fillRect/>
+          </a:stretch>
+        </p:blipFill>
+        <p:spPr>
+          <a:xfrm>
+            <a:off x="0" y="1033807"/>
+            <a:ext cx="7791739" cy="3647386"/>
+          </a:xfrm>
+          <a:prstGeom prst="rect">
+            <a:avLst/>
+          </a:prstGeom>
+        </p:spPr>
+      </p:pic>
     </p:spTree>
     <p:extLst>
       <p:ext uri="{BB962C8B-B14F-4D97-AF65-F5344CB8AC3E}">
@@ -4549,127 +4472,6 @@
   <p:clrMapOvr>
     <a:masterClrMapping/>
   </p:clrMapOvr>
-  <p:timing>
-    <p:tnLst>
-      <p:par>
-        <p:cTn id="1" dur="indefinite" restart="never" nodeType="tmRoot">
-          <p:childTnLst>
-            <p:seq concurrent="1" nextAc="seek">
-              <p:cTn id="2" dur="indefinite" nodeType="mainSeq">
-                <p:childTnLst>
-                  <p:par>
-                    <p:cTn id="3" fill="hold">
-                      <p:stCondLst>
-                        <p:cond delay="indefinite"/>
-                      </p:stCondLst>
-                      <p:childTnLst>
-                        <p:par>
-                          <p:cTn id="4" fill="hold">
-                            <p:stCondLst>
-                              <p:cond delay="0"/>
-                            </p:stCondLst>
-                            <p:childTnLst>
-                              <p:par>
-                                <p:cTn id="5" presetID="21" presetClass="entr" presetSubtype="1" fill="hold" nodeType="clickEffect">
-                                  <p:stCondLst>
-                                    <p:cond delay="0"/>
-                                  </p:stCondLst>
-                                  <p:childTnLst>
-                                    <p:set>
-                                      <p:cBhvr>
-                                        <p:cTn id="6" dur="1" fill="hold">
-                                          <p:stCondLst>
-                                            <p:cond delay="0"/>
-                                          </p:stCondLst>
-                                        </p:cTn>
-                                        <p:tgtEl>
-                                          <p:spTgt spid="5"/>
-                                        </p:tgtEl>
-                                        <p:attrNameLst>
-                                          <p:attrName>style.visibility</p:attrName>
-                                        </p:attrNameLst>
-                                      </p:cBhvr>
-                                      <p:to>
-                                        <p:strVal val="visible"/>
-                                      </p:to>
-                                    </p:set>
-                                    <p:animEffect transition="in" filter="wheel(1)">
-                                      <p:cBhvr>
-                                        <p:cTn id="7" dur="1000"/>
-                                        <p:tgtEl>
-                                          <p:spTgt spid="5"/>
-                                        </p:tgtEl>
-                                      </p:cBhvr>
-                                    </p:animEffect>
-                                  </p:childTnLst>
-                                </p:cTn>
-                              </p:par>
-                              <p:par>
-                                <p:cTn id="8" presetID="14" presetClass="entr" presetSubtype="10" fill="hold" grpId="0" nodeType="withEffect">
-                                  <p:stCondLst>
-                                    <p:cond delay="0"/>
-                                  </p:stCondLst>
-                                  <p:childTnLst>
-                                    <p:set>
-                                      <p:cBhvr>
-                                        <p:cTn id="9" dur="1" fill="hold">
-                                          <p:stCondLst>
-                                            <p:cond delay="0"/>
-                                          </p:stCondLst>
-                                        </p:cTn>
-                                        <p:tgtEl>
-                                          <p:spTgt spid="7"/>
-                                        </p:tgtEl>
-                                        <p:attrNameLst>
-                                          <p:attrName>style.visibility</p:attrName>
-                                        </p:attrNameLst>
-                                      </p:cBhvr>
-                                      <p:to>
-                                        <p:strVal val="visible"/>
-                                      </p:to>
-                                    </p:set>
-                                    <p:animEffect transition="in" filter="randombar(horizontal)">
-                                      <p:cBhvr>
-                                        <p:cTn id="10" dur="500"/>
-                                        <p:tgtEl>
-                                          <p:spTgt spid="7"/>
-                                        </p:tgtEl>
-                                      </p:cBhvr>
-                                    </p:animEffect>
-                                  </p:childTnLst>
-                                </p:cTn>
-                              </p:par>
-                            </p:childTnLst>
-                          </p:cTn>
-                        </p:par>
-                      </p:childTnLst>
-                    </p:cTn>
-                  </p:par>
-                </p:childTnLst>
-              </p:cTn>
-              <p:prevCondLst>
-                <p:cond evt="onPrev" delay="0">
-                  <p:tgtEl>
-                    <p:sldTgt/>
-                  </p:tgtEl>
-                </p:cond>
-              </p:prevCondLst>
-              <p:nextCondLst>
-                <p:cond evt="onNext" delay="0">
-                  <p:tgtEl>
-                    <p:sldTgt/>
-                  </p:tgtEl>
-                </p:cond>
-              </p:nextCondLst>
-            </p:seq>
-          </p:childTnLst>
-        </p:cTn>
-      </p:par>
-    </p:tnLst>
-    <p:bldLst>
-      <p:bldP spid="7" grpId="0"/>
-    </p:bldLst>
-  </p:timing>
 </p:sld>
 </file>
 
@@ -10697,8 +10499,8 @@
           </p:sp>
         </mc:Fallback>
       </mc:AlternateContent>
-      <mc:AlternateContent xmlns:mc="http://schemas.openxmlformats.org/markup-compatibility/2006" xmlns:a14="http://schemas.microsoft.com/office/drawing/2010/main">
-        <mc:Choice Requires="a14">
+      <mc:AlternateContent xmlns:mc="http://schemas.openxmlformats.org/markup-compatibility/2006">
+        <mc:Choice xmlns:a14="http://schemas.microsoft.com/office/drawing/2010/main" Requires="a14">
           <p:sp>
             <p:nvSpPr>
               <p:cNvPr id="13" name="文本框 12">
@@ -10713,7 +10515,7 @@
             </p:nvSpPr>
             <p:spPr>
               <a:xfrm>
-                <a:off x="518160" y="2290623"/>
+                <a:off x="579120" y="2304665"/>
                 <a:ext cx="7536180" cy="308418"/>
               </a:xfrm>
               <a:prstGeom prst="rect">
@@ -10812,7 +10614,7 @@
             </p:txBody>
           </p:sp>
         </mc:Choice>
-        <mc:Fallback xmlns="">
+        <mc:Fallback>
           <p:sp>
             <p:nvSpPr>
               <p:cNvPr id="13" name="文本框 12">
@@ -10829,7 +10631,7 @@
             </p:nvSpPr>
             <p:spPr>
               <a:xfrm>
-                <a:off x="518160" y="2290623"/>
+                <a:off x="579120" y="2304665"/>
                 <a:ext cx="7536180" cy="308418"/>
               </a:xfrm>
               <a:prstGeom prst="rect">
@@ -10838,7 +10640,7 @@
               <a:blipFill>
                 <a:blip r:embed="rId3"/>
                 <a:stretch>
-                  <a:fillRect l="-243" t="-4000" b="-20000"/>
+                  <a:fillRect l="-243" t="-3922" b="-19608"/>
                 </a:stretch>
               </a:blipFill>
             </p:spPr>
@@ -12524,8 +12326,8 @@
           </p:sp>
         </mc:Fallback>
       </mc:AlternateContent>
-      <mc:AlternateContent xmlns:mc="http://schemas.openxmlformats.org/markup-compatibility/2006" xmlns:a14="http://schemas.microsoft.com/office/drawing/2010/main">
-        <mc:Choice Requires="a14">
+      <mc:AlternateContent xmlns:mc="http://schemas.openxmlformats.org/markup-compatibility/2006">
+        <mc:Choice xmlns:a14="http://schemas.microsoft.com/office/drawing/2010/main" Requires="a14">
           <p:sp>
             <p:nvSpPr>
               <p:cNvPr id="7" name="文本框 6">
@@ -12540,7 +12342,7 @@
             </p:nvSpPr>
             <p:spPr>
               <a:xfrm>
-                <a:off x="2790779" y="2619792"/>
+                <a:off x="2790779" y="2727389"/>
                 <a:ext cx="4373880" cy="321435"/>
               </a:xfrm>
               <a:prstGeom prst="rect">
@@ -12655,7 +12457,7 @@
             </p:txBody>
           </p:sp>
         </mc:Choice>
-        <mc:Fallback xmlns="">
+        <mc:Fallback>
           <p:sp>
             <p:nvSpPr>
               <p:cNvPr id="7" name="文本框 6">
@@ -12672,7 +12474,7 @@
             </p:nvSpPr>
             <p:spPr>
               <a:xfrm>
-                <a:off x="2790779" y="2619792"/>
+                <a:off x="2790779" y="2727389"/>
                 <a:ext cx="4373880" cy="321435"/>
               </a:xfrm>
               <a:prstGeom prst="rect">
@@ -12681,7 +12483,7 @@
               <a:blipFill>
                 <a:blip r:embed="rId6"/>
                 <a:stretch>
-                  <a:fillRect b="-21154"/>
+                  <a:fillRect b="-20755"/>
                 </a:stretch>
               </a:blipFill>
             </p:spPr>
@@ -15537,6 +15339,36 @@
           </a:p>
         </p:txBody>
       </p:sp>
+      <p:pic>
+        <p:nvPicPr>
+          <p:cNvPr id="4" name="图片 3">
+            <a:extLst>
+              <a:ext uri="{FF2B5EF4-FFF2-40B4-BE49-F238E27FC236}">
+                <a16:creationId xmlns:a16="http://schemas.microsoft.com/office/drawing/2014/main" id="{6B89F36C-FEB0-4A03-809E-271C5F241855}"/>
+              </a:ext>
+            </a:extLst>
+          </p:cNvPr>
+          <p:cNvPicPr>
+            <a:picLocks noChangeAspect="1"/>
+          </p:cNvPicPr>
+          <p:nvPr/>
+        </p:nvPicPr>
+        <p:blipFill>
+          <a:blip r:embed="rId3"/>
+          <a:stretch>
+            <a:fillRect/>
+          </a:stretch>
+        </p:blipFill>
+        <p:spPr>
+          <a:xfrm>
+            <a:off x="0" y="3429001"/>
+            <a:ext cx="3790122" cy="2286000"/>
+          </a:xfrm>
+          <a:prstGeom prst="rect">
+            <a:avLst/>
+          </a:prstGeom>
+        </p:spPr>
+      </p:pic>
     </p:spTree>
     <p:extLst>
       <p:ext uri="{BB962C8B-B14F-4D97-AF65-F5344CB8AC3E}">
